--- a/Presentation1.pptx
+++ b/Presentation1.pptx
@@ -675,7 +675,7 @@
             </a:r>
             <a:r>
               <a:rPr lang="en-US" baseline="0" dirty="0" smtClean="0"/>
-              <a:t> decided that it would be best practice to lay out what we wanted the app to look like before coding. The current slide reflects what we had in mind the first day the project was assigned. As we built the app the group learned the importance of being able to pivot direction when in order to meet as many requirements as possible, with the end result being a functioning application. </a:t>
+              <a:t> decided that it would be best practice to lay out what we wanted the app to look like before coding. The current slide reflects what we had in mind the first day the project was assigned. As we built the app the group learned the importance of being able to pivot direction at times. In order to meet as many requirements as possible, with the end result being a functioning application. </a:t>
             </a:r>
             <a:endParaRPr lang="en-US" dirty="0"/>
           </a:p>
@@ -835,15 +835,7 @@
             </a:r>
             <a:r>
               <a:rPr lang="en-US" baseline="0" dirty="0" smtClean="0"/>
-              <a:t> and latitude coordinates associated with that specific key word match. This information is pushed to the Dark Sky API in order to reference the five day weather forecast displaying the high and low </a:t>
-            </a:r>
-            <a:r>
-              <a:rPr lang="en-US" baseline="0" dirty="0" err="1" smtClean="0"/>
-              <a:t>tempatures</a:t>
-            </a:r>
-            <a:r>
-              <a:rPr lang="en-US" baseline="0" dirty="0" smtClean="0"/>
-              <a:t> for the day as well as a short description of the daily weather conditions for the pushed longitude and latitude coordinates.</a:t>
+              <a:t> and latitude coordinates associated with that specific key word match. This information is pushed to the Dark Sky API in order to reference the five day weather forecast displaying the high and low temperatures for the day as well as a short description of the daily weather conditions for the pushed longitude and latitude coordinates.</a:t>
             </a:r>
           </a:p>
           <a:p>
@@ -1067,15 +1059,7 @@
             </a:r>
             <a:r>
               <a:rPr lang="en-US" baseline="0" dirty="0" smtClean="0"/>
-              <a:t> in order to debug the error </a:t>
-            </a:r>
-            <a:r>
-              <a:rPr lang="en-US" baseline="0" dirty="0" err="1" smtClean="0"/>
-              <a:t>cuased</a:t>
-            </a:r>
-            <a:r>
-              <a:rPr lang="en-US" baseline="0" dirty="0" smtClean="0"/>
-              <a:t> by longitude and latitude coordinates being to long for the Dark Sky Parameters.</a:t>
+              <a:t> in order to debug the error caused by longitude and latitude coordinates being to long for the Dark Sky Parameters.</a:t>
             </a:r>
           </a:p>
           <a:p>
@@ -14349,7 +14333,12 @@
             <p:ph type="title"/>
           </p:nvPr>
         </p:nvSpPr>
-        <p:spPr/>
+        <p:spPr>
+          <a:xfrm>
+            <a:off x="1141413" y="367512"/>
+            <a:ext cx="9905998" cy="1478570"/>
+          </a:xfrm>
+        </p:spPr>
         <p:txBody>
           <a:bodyPr/>
           <a:lstStyle/>
@@ -14386,13 +14375,13 @@
         </p:nvSpPr>
         <p:spPr>
           <a:xfrm>
-            <a:off x="1141412" y="1914524"/>
-            <a:ext cx="9905999" cy="4143375"/>
+            <a:off x="1141412" y="1703294"/>
+            <a:ext cx="9905999" cy="4607859"/>
           </a:xfrm>
         </p:spPr>
         <p:txBody>
           <a:bodyPr>
-            <a:normAutofit fontScale="85000" lnSpcReduction="20000"/>
+            <a:normAutofit fontScale="92500" lnSpcReduction="20000"/>
           </a:bodyPr>
           <a:lstStyle/>
           <a:p>
@@ -14425,26 +14414,6 @@
           <a:p>
             <a:r>
               <a:rPr lang="en-US" dirty="0" smtClean="0"/>
-              <a:t>Firebase</a:t>
-            </a:r>
-          </a:p>
-          <a:p>
-            <a:pPr lvl="1"/>
-            <a:r>
-              <a:rPr lang="en-US" dirty="0" smtClean="0"/>
-              <a:t>Authentication- Anonymous &amp; Google- this was supposed to be new technology</a:t>
-            </a:r>
-          </a:p>
-          <a:p>
-            <a:pPr lvl="1"/>
-            <a:r>
-              <a:rPr lang="en-US" dirty="0" smtClean="0"/>
-              <a:t>Persistent Data Storage- attempted as a reach but unsuccessful 	</a:t>
-            </a:r>
-          </a:p>
-          <a:p>
-            <a:r>
-              <a:rPr lang="en-US" dirty="0" smtClean="0"/>
               <a:t>Stuck to What we Knew</a:t>
             </a:r>
           </a:p>
@@ -14466,6 +14435,30 @@
             <a:r>
               <a:rPr lang="en-US" dirty="0" smtClean="0"/>
               <a:t>Feeling good!</a:t>
+            </a:r>
+          </a:p>
+          <a:p>
+            <a:r>
+              <a:rPr lang="en-US" dirty="0"/>
+              <a:t>Firebase</a:t>
+            </a:r>
+          </a:p>
+          <a:p>
+            <a:pPr lvl="1"/>
+            <a:r>
+              <a:rPr lang="en-US" dirty="0"/>
+              <a:t>Authentication- Anonymous &amp; Google- this was supposed to be new technology</a:t>
+            </a:r>
+          </a:p>
+          <a:p>
+            <a:pPr lvl="1"/>
+            <a:r>
+              <a:rPr lang="en-US" dirty="0"/>
+              <a:t>Persistent Data Storage- attempted as a reach but </a:t>
+            </a:r>
+            <a:r>
+              <a:rPr lang="en-US" dirty="0" smtClean="0"/>
+              <a:t>unsuccessful</a:t>
             </a:r>
           </a:p>
           <a:p>
